--- a/Processo/CRISP-DM/Diagramas/CRISP-DM-Analise-dos-dados.pptx
+++ b/Processo/CRISP-DM/Diagramas/CRISP-DM-Analise-dos-dados.pptx
@@ -243,7 +243,7 @@
           <a:p>
             <a:fld id="{4B5AB9DF-E27C-4717-9D6D-F36EBF3560FD}" type="datetimeFigureOut">
               <a:rPr lang="pt-BR" smtClean="0"/>
-              <a:t>17/08/2015</a:t>
+              <a:t>21/09/2015</a:t>
             </a:fld>
             <a:endParaRPr lang="pt-BR"/>
           </a:p>
@@ -413,7 +413,7 @@
           <a:p>
             <a:fld id="{4B5AB9DF-E27C-4717-9D6D-F36EBF3560FD}" type="datetimeFigureOut">
               <a:rPr lang="pt-BR" smtClean="0"/>
-              <a:t>17/08/2015</a:t>
+              <a:t>21/09/2015</a:t>
             </a:fld>
             <a:endParaRPr lang="pt-BR"/>
           </a:p>
@@ -593,7 +593,7 @@
           <a:p>
             <a:fld id="{4B5AB9DF-E27C-4717-9D6D-F36EBF3560FD}" type="datetimeFigureOut">
               <a:rPr lang="pt-BR" smtClean="0"/>
-              <a:t>17/08/2015</a:t>
+              <a:t>21/09/2015</a:t>
             </a:fld>
             <a:endParaRPr lang="pt-BR"/>
           </a:p>
@@ -763,7 +763,7 @@
           <a:p>
             <a:fld id="{4B5AB9DF-E27C-4717-9D6D-F36EBF3560FD}" type="datetimeFigureOut">
               <a:rPr lang="pt-BR" smtClean="0"/>
-              <a:t>17/08/2015</a:t>
+              <a:t>21/09/2015</a:t>
             </a:fld>
             <a:endParaRPr lang="pt-BR"/>
           </a:p>
@@ -1009,7 +1009,7 @@
           <a:p>
             <a:fld id="{4B5AB9DF-E27C-4717-9D6D-F36EBF3560FD}" type="datetimeFigureOut">
               <a:rPr lang="pt-BR" smtClean="0"/>
-              <a:t>17/08/2015</a:t>
+              <a:t>21/09/2015</a:t>
             </a:fld>
             <a:endParaRPr lang="pt-BR"/>
           </a:p>
@@ -1241,7 +1241,7 @@
           <a:p>
             <a:fld id="{4B5AB9DF-E27C-4717-9D6D-F36EBF3560FD}" type="datetimeFigureOut">
               <a:rPr lang="pt-BR" smtClean="0"/>
-              <a:t>17/08/2015</a:t>
+              <a:t>21/09/2015</a:t>
             </a:fld>
             <a:endParaRPr lang="pt-BR"/>
           </a:p>
@@ -1608,7 +1608,7 @@
           <a:p>
             <a:fld id="{4B5AB9DF-E27C-4717-9D6D-F36EBF3560FD}" type="datetimeFigureOut">
               <a:rPr lang="pt-BR" smtClean="0"/>
-              <a:t>17/08/2015</a:t>
+              <a:t>21/09/2015</a:t>
             </a:fld>
             <a:endParaRPr lang="pt-BR"/>
           </a:p>
@@ -1726,7 +1726,7 @@
           <a:p>
             <a:fld id="{4B5AB9DF-E27C-4717-9D6D-F36EBF3560FD}" type="datetimeFigureOut">
               <a:rPr lang="pt-BR" smtClean="0"/>
-              <a:t>17/08/2015</a:t>
+              <a:t>21/09/2015</a:t>
             </a:fld>
             <a:endParaRPr lang="pt-BR"/>
           </a:p>
@@ -1821,7 +1821,7 @@
           <a:p>
             <a:fld id="{4B5AB9DF-E27C-4717-9D6D-F36EBF3560FD}" type="datetimeFigureOut">
               <a:rPr lang="pt-BR" smtClean="0"/>
-              <a:t>17/08/2015</a:t>
+              <a:t>21/09/2015</a:t>
             </a:fld>
             <a:endParaRPr lang="pt-BR"/>
           </a:p>
@@ -2098,7 +2098,7 @@
           <a:p>
             <a:fld id="{4B5AB9DF-E27C-4717-9D6D-F36EBF3560FD}" type="datetimeFigureOut">
               <a:rPr lang="pt-BR" smtClean="0"/>
-              <a:t>17/08/2015</a:t>
+              <a:t>21/09/2015</a:t>
             </a:fld>
             <a:endParaRPr lang="pt-BR"/>
           </a:p>
@@ -2351,7 +2351,7 @@
           <a:p>
             <a:fld id="{4B5AB9DF-E27C-4717-9D6D-F36EBF3560FD}" type="datetimeFigureOut">
               <a:rPr lang="pt-BR" smtClean="0"/>
-              <a:t>17/08/2015</a:t>
+              <a:t>21/09/2015</a:t>
             </a:fld>
             <a:endParaRPr lang="pt-BR"/>
           </a:p>
@@ -2564,7 +2564,7 @@
           <a:p>
             <a:fld id="{4B5AB9DF-E27C-4717-9D6D-F36EBF3560FD}" type="datetimeFigureOut">
               <a:rPr lang="pt-BR" smtClean="0"/>
-              <a:t>17/08/2015</a:t>
+              <a:t>21/09/2015</a:t>
             </a:fld>
             <a:endParaRPr lang="pt-BR"/>
           </a:p>
@@ -3830,7 +3830,7 @@
         </p:nvCxnSpPr>
         <p:spPr>
           <a:xfrm>
-            <a:off x="2084172" y="4126034"/>
+            <a:off x="2092410" y="4126034"/>
             <a:ext cx="280086" cy="277699"/>
           </a:xfrm>
           <a:prstGeom prst="curvedConnector3">
@@ -3860,7 +3860,7 @@
         </p:nvCxnSpPr>
         <p:spPr>
           <a:xfrm>
-            <a:off x="2042595" y="5034239"/>
+            <a:off x="2075547" y="5034239"/>
             <a:ext cx="280086" cy="277699"/>
           </a:xfrm>
           <a:prstGeom prst="curvedConnector3">
@@ -3890,7 +3890,7 @@
         </p:nvSpPr>
         <p:spPr>
           <a:xfrm>
-            <a:off x="2377644" y="2305654"/>
+            <a:off x="2362355" y="2310921"/>
             <a:ext cx="914400" cy="612648"/>
           </a:xfrm>
           <a:prstGeom prst="flowChartDocument">
@@ -3932,7 +3932,71 @@
                   </a:outerShdw>
                 </a:effectLst>
               </a:rPr>
-              <a:t>Relatório de coleta inicial de dados</a:t>
+              <a:t>Relatório </a:t>
+            </a:r>
+            <a:r>
+              <a:rPr lang="pt-BR" sz="800" dirty="0" smtClean="0">
+                <a:ln w="0"/>
+                <a:solidFill>
+                  <a:schemeClr val="tx1"/>
+                </a:solidFill>
+                <a:effectLst>
+                  <a:outerShdw blurRad="38100" dist="19050" dir="2700000" algn="tl" rotWithShape="0">
+                    <a:schemeClr val="dk1">
+                      <a:alpha val="40000"/>
+                    </a:schemeClr>
+                  </a:outerShdw>
+                </a:effectLst>
+              </a:rPr>
+              <a:t> inicial de </a:t>
+            </a:r>
+            <a:r>
+              <a:rPr lang="pt-BR" sz="800" dirty="0" smtClean="0">
+                <a:ln w="0"/>
+                <a:solidFill>
+                  <a:schemeClr val="tx1"/>
+                </a:solidFill>
+                <a:effectLst>
+                  <a:outerShdw blurRad="38100" dist="19050" dir="2700000" algn="tl" rotWithShape="0">
+                    <a:schemeClr val="dk1">
+                      <a:alpha val="40000"/>
+                    </a:schemeClr>
+                  </a:outerShdw>
+                </a:effectLst>
+              </a:rPr>
+              <a:t>coleta </a:t>
+            </a:r>
+            <a:r>
+              <a:rPr lang="pt-BR" sz="800" dirty="0" smtClean="0">
+                <a:ln w="0"/>
+                <a:solidFill>
+                  <a:schemeClr val="tx1"/>
+                </a:solidFill>
+                <a:effectLst>
+                  <a:outerShdw blurRad="38100" dist="19050" dir="2700000" algn="tl" rotWithShape="0">
+                    <a:schemeClr val="dk1">
+                      <a:alpha val="40000"/>
+                    </a:schemeClr>
+                  </a:outerShdw>
+                </a:effectLst>
+              </a:rPr>
+              <a:t>de </a:t>
+            </a:r>
+            <a:r>
+              <a:rPr lang="pt-BR" sz="800" dirty="0" smtClean="0">
+                <a:ln w="0"/>
+                <a:solidFill>
+                  <a:schemeClr val="tx1"/>
+                </a:solidFill>
+                <a:effectLst>
+                  <a:outerShdw blurRad="38100" dist="19050" dir="2700000" algn="tl" rotWithShape="0">
+                    <a:schemeClr val="dk1">
+                      <a:alpha val="40000"/>
+                    </a:schemeClr>
+                  </a:outerShdw>
+                </a:effectLst>
+              </a:rPr>
+              <a:t>dados</a:t>
             </a:r>
             <a:endParaRPr lang="pt-BR" sz="800" dirty="0">
               <a:ln w="0"/>
@@ -4026,7 +4090,7 @@
         </p:nvSpPr>
         <p:spPr>
           <a:xfrm>
-            <a:off x="2322681" y="5034239"/>
+            <a:off x="2362355" y="5029340"/>
             <a:ext cx="914400" cy="612648"/>
           </a:xfrm>
           <a:prstGeom prst="flowChartDocument">
@@ -4154,104 +4218,6 @@
           </a:p>
         </p:txBody>
       </p:sp>
-      <p:sp>
-        <p:nvSpPr>
-          <p:cNvPr id="46" name="Fluxograma: Documento 45"/>
-          <p:cNvSpPr/>
-          <p:nvPr/>
-        </p:nvSpPr>
-        <p:spPr>
-          <a:xfrm>
-            <a:off x="6941406" y="3217829"/>
-            <a:ext cx="914400" cy="612648"/>
-          </a:xfrm>
-          <a:prstGeom prst="flowChartDocument">
-            <a:avLst/>
-          </a:prstGeom>
-        </p:spPr>
-        <p:style>
-          <a:lnRef idx="2">
-            <a:schemeClr val="accent1">
-              <a:shade val="50000"/>
-            </a:schemeClr>
-          </a:lnRef>
-          <a:fillRef idx="1">
-            <a:schemeClr val="accent1"/>
-          </a:fillRef>
-          <a:effectRef idx="0">
-            <a:schemeClr val="accent1"/>
-          </a:effectRef>
-          <a:fontRef idx="minor">
-            <a:schemeClr val="lt1"/>
-          </a:fontRef>
-        </p:style>
-        <p:txBody>
-          <a:bodyPr rtlCol="0" anchor="ctr"/>
-          <a:lstStyle/>
-          <a:p>
-            <a:pPr algn="ctr"/>
-            <a:r>
-              <a:rPr lang="pt-BR" sz="800" dirty="0" smtClean="0">
-                <a:ln w="0"/>
-                <a:solidFill>
-                  <a:schemeClr val="tx1"/>
-                </a:solidFill>
-                <a:effectLst>
-                  <a:outerShdw blurRad="38100" dist="19050" dir="2700000" algn="tl" rotWithShape="0">
-                    <a:schemeClr val="dk1">
-                      <a:alpha val="40000"/>
-                    </a:schemeClr>
-                  </a:outerShdw>
-                </a:effectLst>
-              </a:rPr>
-              <a:t>Custos e benefícios</a:t>
-            </a:r>
-            <a:endParaRPr lang="pt-BR" sz="800" dirty="0">
-              <a:ln w="0"/>
-              <a:solidFill>
-                <a:schemeClr val="tx1"/>
-              </a:solidFill>
-              <a:effectLst>
-                <a:outerShdw blurRad="38100" dist="19050" dir="2700000" algn="tl" rotWithShape="0">
-                  <a:schemeClr val="dk1">
-                    <a:alpha val="40000"/>
-                  </a:schemeClr>
-                </a:outerShdw>
-              </a:effectLst>
-            </a:endParaRPr>
-          </a:p>
-        </p:txBody>
-      </p:sp>
-      <p:cxnSp>
-        <p:nvCxnSpPr>
-          <p:cNvPr id="57" name="Conector reto 56"/>
-          <p:cNvCxnSpPr/>
-          <p:nvPr/>
-        </p:nvCxnSpPr>
-        <p:spPr>
-          <a:xfrm>
-            <a:off x="6712806" y="3464814"/>
-            <a:ext cx="230660" cy="0"/>
-          </a:xfrm>
-          <a:prstGeom prst="line">
-            <a:avLst/>
-          </a:prstGeom>
-        </p:spPr>
-        <p:style>
-          <a:lnRef idx="1">
-            <a:schemeClr val="accent1"/>
-          </a:lnRef>
-          <a:fillRef idx="0">
-            <a:schemeClr val="accent1"/>
-          </a:fillRef>
-          <a:effectRef idx="0">
-            <a:schemeClr val="accent1"/>
-          </a:effectRef>
-          <a:fontRef idx="minor">
-            <a:schemeClr val="tx1"/>
-          </a:fontRef>
-        </p:style>
-      </p:cxnSp>
     </p:spTree>
     <p:extLst>
       <p:ext uri="{BB962C8B-B14F-4D97-AF65-F5344CB8AC3E}">
